--- a/Agust_2022/noppt.pptx
+++ b/Agust_2022/noppt.pptx
@@ -383,7 +383,7 @@
           <a:p>
             <a:fld id="{DA600739-FAA1-413D-8421-9FF964A96FDC}" type="datetimeFigureOut">
               <a:rPr lang="ko-KR" altLang="en-US" smtClean="0"/>
-              <a:t>2022-08-29</a:t>
+              <a:t>2022-08-30</a:t>
             </a:fld>
             <a:endParaRPr lang="ko-KR" altLang="en-US" dirty="0"/>
           </a:p>
@@ -581,7 +581,7 @@
           <a:p>
             <a:fld id="{DA600739-FAA1-413D-8421-9FF964A96FDC}" type="datetimeFigureOut">
               <a:rPr lang="ko-KR" altLang="en-US" smtClean="0"/>
-              <a:t>2022-08-29</a:t>
+              <a:t>2022-08-30</a:t>
             </a:fld>
             <a:endParaRPr lang="ko-KR" altLang="en-US" dirty="0"/>
           </a:p>
@@ -789,7 +789,7 @@
           <a:p>
             <a:fld id="{DA600739-FAA1-413D-8421-9FF964A96FDC}" type="datetimeFigureOut">
               <a:rPr lang="ko-KR" altLang="en-US" smtClean="0"/>
-              <a:t>2022-08-29</a:t>
+              <a:t>2022-08-30</a:t>
             </a:fld>
             <a:endParaRPr lang="ko-KR" altLang="en-US" dirty="0"/>
           </a:p>
@@ -987,7 +987,7 @@
           <a:p>
             <a:fld id="{DA600739-FAA1-413D-8421-9FF964A96FDC}" type="datetimeFigureOut">
               <a:rPr lang="ko-KR" altLang="en-US" smtClean="0"/>
-              <a:t>2022-08-29</a:t>
+              <a:t>2022-08-30</a:t>
             </a:fld>
             <a:endParaRPr lang="ko-KR" altLang="en-US" dirty="0"/>
           </a:p>
@@ -1262,7 +1262,7 @@
           <a:p>
             <a:fld id="{DA600739-FAA1-413D-8421-9FF964A96FDC}" type="datetimeFigureOut">
               <a:rPr lang="ko-KR" altLang="en-US" smtClean="0"/>
-              <a:t>2022-08-29</a:t>
+              <a:t>2022-08-30</a:t>
             </a:fld>
             <a:endParaRPr lang="ko-KR" altLang="en-US" dirty="0"/>
           </a:p>
@@ -1527,7 +1527,7 @@
           <a:p>
             <a:fld id="{DA600739-FAA1-413D-8421-9FF964A96FDC}" type="datetimeFigureOut">
               <a:rPr lang="ko-KR" altLang="en-US" smtClean="0"/>
-              <a:t>2022-08-29</a:t>
+              <a:t>2022-08-30</a:t>
             </a:fld>
             <a:endParaRPr lang="ko-KR" altLang="en-US" dirty="0"/>
           </a:p>
@@ -1939,7 +1939,7 @@
           <a:p>
             <a:fld id="{DA600739-FAA1-413D-8421-9FF964A96FDC}" type="datetimeFigureOut">
               <a:rPr lang="ko-KR" altLang="en-US" smtClean="0"/>
-              <a:t>2022-08-29</a:t>
+              <a:t>2022-08-30</a:t>
             </a:fld>
             <a:endParaRPr lang="ko-KR" altLang="en-US" dirty="0"/>
           </a:p>
@@ -2080,7 +2080,7 @@
           <a:p>
             <a:fld id="{DA600739-FAA1-413D-8421-9FF964A96FDC}" type="datetimeFigureOut">
               <a:rPr lang="ko-KR" altLang="en-US" smtClean="0"/>
-              <a:t>2022-08-29</a:t>
+              <a:t>2022-08-30</a:t>
             </a:fld>
             <a:endParaRPr lang="ko-KR" altLang="en-US" dirty="0"/>
           </a:p>
@@ -2193,7 +2193,7 @@
           <a:p>
             <a:fld id="{DA600739-FAA1-413D-8421-9FF964A96FDC}" type="datetimeFigureOut">
               <a:rPr lang="ko-KR" altLang="en-US" smtClean="0"/>
-              <a:t>2022-08-29</a:t>
+              <a:t>2022-08-30</a:t>
             </a:fld>
             <a:endParaRPr lang="ko-KR" altLang="en-US" dirty="0"/>
           </a:p>
@@ -2504,7 +2504,7 @@
           <a:p>
             <a:fld id="{DA600739-FAA1-413D-8421-9FF964A96FDC}" type="datetimeFigureOut">
               <a:rPr lang="ko-KR" altLang="en-US" smtClean="0"/>
-              <a:t>2022-08-29</a:t>
+              <a:t>2022-08-30</a:t>
             </a:fld>
             <a:endParaRPr lang="ko-KR" altLang="en-US" dirty="0"/>
           </a:p>
@@ -2792,7 +2792,7 @@
           <a:p>
             <a:fld id="{DA600739-FAA1-413D-8421-9FF964A96FDC}" type="datetimeFigureOut">
               <a:rPr lang="ko-KR" altLang="en-US" smtClean="0"/>
-              <a:t>2022-08-29</a:t>
+              <a:t>2022-08-30</a:t>
             </a:fld>
             <a:endParaRPr lang="ko-KR" altLang="en-US" dirty="0"/>
           </a:p>
@@ -3033,7 +3033,7 @@
           <a:p>
             <a:fld id="{DA600739-FAA1-413D-8421-9FF964A96FDC}" type="datetimeFigureOut">
               <a:rPr lang="ko-KR" altLang="en-US" smtClean="0"/>
-              <a:t>2022-08-29</a:t>
+              <a:t>2022-08-30</a:t>
             </a:fld>
             <a:endParaRPr lang="ko-KR" altLang="en-US" dirty="0"/>
           </a:p>
@@ -3473,7 +3473,7 @@
           <a:p>
             <a:r>
               <a:rPr lang="ko-KR" altLang="en-US" dirty="0"/>
-              <a:t>접근성이 해결된</a:t>
+              <a:t>접근성이 해결되지 않은</a:t>
             </a:r>
             <a:br>
               <a:rPr lang="en-US" altLang="ko-KR" dirty="0"/>
@@ -3552,42 +3552,61 @@
           <a:chExt cx="0" cy="0"/>
         </a:xfrm>
       </p:grpSpPr>
-      <p:sp>
-        <p:nvSpPr>
-          <p:cNvPr id="8" name="제목 7">
-            <a:extLst>
-              <a:ext uri="{FF2B5EF4-FFF2-40B4-BE49-F238E27FC236}">
-                <a16:creationId xmlns:a16="http://schemas.microsoft.com/office/drawing/2014/main" id="{82218666-2172-EDF2-2A7C-3988269301EF}"/>
-              </a:ext>
-            </a:extLst>
-          </p:cNvPr>
-          <p:cNvSpPr txBox="1">
-            <a:spLocks noGrp="1"/>
-          </p:cNvSpPr>
-          <p:nvPr>
-            <p:ph type="title" idx="4294967295"/>
-          </p:nvPr>
-        </p:nvSpPr>
+      <p:pic>
+        <p:nvPicPr>
+          <p:cNvPr id="5" name="내용 개체 틀 4">
+            <a:extLst>
+              <a:ext uri="{FF2B5EF4-FFF2-40B4-BE49-F238E27FC236}">
+                <a16:creationId xmlns:a16="http://schemas.microsoft.com/office/drawing/2014/main" id="{89FFEE8D-38D2-5897-99B9-731FEF6B24AA}"/>
+              </a:ext>
+            </a:extLst>
+          </p:cNvPr>
+          <p:cNvPicPr>
+            <a:picLocks noGrp="1" noChangeAspect="1"/>
+          </p:cNvPicPr>
+          <p:nvPr>
+            <p:ph idx="1"/>
+          </p:nvPr>
+        </p:nvPicPr>
+        <p:blipFill>
+          <a:blip r:embed="rId2"/>
+          <a:stretch>
+            <a:fillRect/>
+          </a:stretch>
+        </p:blipFill>
         <p:spPr>
           <a:xfrm>
-            <a:off x="980813" y="1085121"/>
-            <a:ext cx="4806892" cy="369332"/>
+            <a:off x="980813" y="1585955"/>
+            <a:ext cx="5267325" cy="3476625"/>
+          </a:xfrm>
+        </p:spPr>
+      </p:pic>
+      <p:sp>
+        <p:nvSpPr>
+          <p:cNvPr id="9" name="TextBox 8">
+            <a:extLst>
+              <a:ext uri="{FF2B5EF4-FFF2-40B4-BE49-F238E27FC236}">
+                <a16:creationId xmlns:a16="http://schemas.microsoft.com/office/drawing/2014/main" id="{D97F7B3F-587B-8D15-F844-397304F22F5B}"/>
+              </a:ext>
+            </a:extLst>
+          </p:cNvPr>
+          <p:cNvSpPr txBox="1">
+            <a:spLocks/>
+          </p:cNvSpPr>
+          <p:nvPr/>
+        </p:nvSpPr>
+        <p:spPr>
+          <a:xfrm>
+            <a:off x="980813" y="5272045"/>
+            <a:ext cx="3154260" cy="369332"/>
           </a:xfrm>
           <a:prstGeom prst="rect">
             <a:avLst/>
           </a:prstGeom>
           <a:noFill/>
-          <a:ln>
-            <a:noFill/>
-            <a:prstDash/>
-          </a:ln>
-          <a:effectLst/>
         </p:spPr>
         <p:txBody>
-          <a:bodyPr rot="0" spcFirstLastPara="0" vertOverflow="overflow" horzOverflow="overflow" vert="horz" wrap="square" lIns="91440" tIns="45720" rIns="91440" bIns="45720" numCol="1" spcCol="0" rtlCol="0" fromWordArt="0" anchor="t" anchorCtr="0" forceAA="0" compatLnSpc="1">
-            <a:prstTxWarp prst="textNoShape">
-              <a:avLst/>
-            </a:prstTxWarp>
+          <a:bodyPr wrap="square" rtlCol="0">
             <a:spAutoFit/>
           </a:bodyPr>
           <a:lstStyle/>
@@ -3641,7 +3660,7 @@
                 <a:ea typeface="+mn-ea"/>
                 <a:cs typeface="+mn-cs"/>
               </a:rPr>
-              <a:t>1</a:t>
+              <a:t>2</a:t>
             </a:r>
             <a:endParaRPr kumimoji="0" lang="ko-KR" altLang="en-US" sz="1800" b="0" i="0" u="none" strike="noStrike" kern="1200" cap="none" spc="0" normalizeH="0" baseline="0" noProof="0" dirty="0">
               <a:ln>
@@ -3660,53 +3679,22 @@
           </a:p>
         </p:txBody>
       </p:sp>
-      <p:pic>
-        <p:nvPicPr>
-          <p:cNvPr id="5" name="내용 개체 틀 4" descr="안녕하세요 엔비전스입니다 축구공 이모티콘 음표 이모티콘">
-            <a:extLst>
-              <a:ext uri="{FF2B5EF4-FFF2-40B4-BE49-F238E27FC236}">
-                <a16:creationId xmlns:a16="http://schemas.microsoft.com/office/drawing/2014/main" id="{89FFEE8D-38D2-5897-99B9-731FEF6B24AA}"/>
-              </a:ext>
-            </a:extLst>
-          </p:cNvPr>
-          <p:cNvPicPr>
-            <a:picLocks noGrp="1" noChangeAspect="1"/>
-          </p:cNvPicPr>
-          <p:nvPr>
-            <p:ph idx="1"/>
-          </p:nvPr>
-        </p:nvPicPr>
-        <p:blipFill>
-          <a:blip r:embed="rId2"/>
-          <a:stretch>
-            <a:fillRect/>
-          </a:stretch>
-        </p:blipFill>
+      <p:sp>
+        <p:nvSpPr>
+          <p:cNvPr id="2" name="TextBox 1">
+            <a:extLst>
+              <a:ext uri="{FF2B5EF4-FFF2-40B4-BE49-F238E27FC236}">
+                <a16:creationId xmlns:a16="http://schemas.microsoft.com/office/drawing/2014/main" id="{EA83FC9B-3E2C-CAF4-E692-BEDB4F1C0DEF}"/>
+              </a:ext>
+            </a:extLst>
+          </p:cNvPr>
+          <p:cNvSpPr txBox="1"/>
+          <p:nvPr/>
+        </p:nvSpPr>
         <p:spPr>
           <a:xfrm>
-            <a:off x="980813" y="1585955"/>
-            <a:ext cx="5267325" cy="3476625"/>
-          </a:xfrm>
-        </p:spPr>
-      </p:pic>
-      <p:sp>
-        <p:nvSpPr>
-          <p:cNvPr id="9" name="TextBox 8">
-            <a:extLst>
-              <a:ext uri="{FF2B5EF4-FFF2-40B4-BE49-F238E27FC236}">
-                <a16:creationId xmlns:a16="http://schemas.microsoft.com/office/drawing/2014/main" id="{D97F7B3F-587B-8D15-F844-397304F22F5B}"/>
-              </a:ext>
-            </a:extLst>
-          </p:cNvPr>
-          <p:cNvSpPr txBox="1">
-            <a:spLocks/>
-          </p:cNvSpPr>
-          <p:nvPr/>
-        </p:nvSpPr>
-        <p:spPr>
-          <a:xfrm>
-            <a:off x="980813" y="5272045"/>
-            <a:ext cx="3154260" cy="369332"/>
+            <a:off x="980813" y="1032933"/>
+            <a:ext cx="5267325" cy="369332"/>
           </a:xfrm>
           <a:prstGeom prst="rect">
             <a:avLst/>
@@ -3719,71 +3707,15 @@
           </a:bodyPr>
           <a:lstStyle/>
           <a:p>
-            <a:pPr marL="0" marR="0" lvl="0" indent="0" algn="l" defTabSz="914400" rtl="0" eaLnBrk="1" fontAlgn="auto" latinLnBrk="1" hangingPunct="1">
-              <a:lnSpc>
-                <a:spcPct val="100000"/>
-              </a:lnSpc>
-              <a:spcBef>
-                <a:spcPts val="0"/>
-              </a:spcBef>
-              <a:spcAft>
-                <a:spcPts val="0"/>
-              </a:spcAft>
-              <a:buClrTx/>
-              <a:buSzTx/>
-              <a:buFontTx/>
-              <a:buNone/>
-              <a:tabLst/>
-              <a:defRPr/>
-            </a:pPr>
-            <a:r>
-              <a:rPr kumimoji="0" lang="ko-KR" altLang="en-US" sz="1800" b="0" i="0" u="none" strike="noStrike" kern="1200" cap="none" spc="0" normalizeH="0" baseline="0" noProof="0" dirty="0">
-                <a:ln>
-                  <a:noFill/>
-                </a:ln>
-                <a:solidFill>
-                  <a:schemeClr val="tx1"/>
-                </a:solidFill>
-                <a:effectLst/>
-                <a:uLnTx/>
-                <a:uFillTx/>
-                <a:latin typeface="+mn-lt"/>
-                <a:ea typeface="+mn-ea"/>
-                <a:cs typeface="+mn-cs"/>
-              </a:rPr>
+            <a:r>
+              <a:rPr lang="ko-KR" altLang="en-US" dirty="0"/>
               <a:t>예시 텍스트 상자 </a:t>
             </a:r>
             <a:r>
-              <a:rPr kumimoji="0" lang="en-US" altLang="ko-KR" sz="1800" b="0" i="0" u="none" strike="noStrike" kern="1200" cap="none" spc="0" normalizeH="0" baseline="0" noProof="0" dirty="0">
-                <a:ln>
-                  <a:noFill/>
-                </a:ln>
-                <a:solidFill>
-                  <a:schemeClr val="tx1"/>
-                </a:solidFill>
-                <a:effectLst/>
-                <a:uLnTx/>
-                <a:uFillTx/>
-                <a:latin typeface="+mn-lt"/>
-                <a:ea typeface="+mn-ea"/>
-                <a:cs typeface="+mn-cs"/>
-              </a:rPr>
-              <a:t>2</a:t>
-            </a:r>
-            <a:endParaRPr kumimoji="0" lang="ko-KR" altLang="en-US" sz="1800" b="0" i="0" u="none" strike="noStrike" kern="1200" cap="none" spc="0" normalizeH="0" baseline="0" noProof="0" dirty="0">
-              <a:ln>
-                <a:noFill/>
-              </a:ln>
-              <a:solidFill>
-                <a:schemeClr val="tx1"/>
-              </a:solidFill>
-              <a:effectLst/>
-              <a:uLnTx/>
-              <a:uFillTx/>
-              <a:latin typeface="+mn-lt"/>
-              <a:ea typeface="+mn-ea"/>
-              <a:cs typeface="+mn-cs"/>
-            </a:endParaRPr>
+              <a:rPr lang="en-US" altLang="ko-KR" dirty="0"/>
+              <a:t>1</a:t>
+            </a:r>
+            <a:endParaRPr lang="ko-KR" altLang="en-US" dirty="0"/>
           </a:p>
         </p:txBody>
       </p:sp>
